--- a/ppt 16-9/1207.门徒去世.pptx
+++ b/ppt 16-9/1207.门徒去世.pptx
@@ -5,7 +5,7 @@
     <p:sldMasterId id="2147483648" r:id="rId1"/>
   </p:sldMasterIdLst>
   <p:sldIdLst>
-    <p:sldId id="735" r:id="rId2"/>
+    <p:sldId id="736" r:id="rId2"/>
   </p:sldIdLst>
   <p:sldSz cx="12192000" cy="6858000"/>
   <p:notesSz cx="6858000" cy="9144000"/>
@@ -129,7 +129,7 @@
           <p:cNvPr id="2" name="标题 1">
             <a:extLst>
               <a:ext uri="{FF2B5EF4-FFF2-40B4-BE49-F238E27FC236}">
-                <a16:creationId xmlns:a16="http://schemas.microsoft.com/office/drawing/2014/main" id="{5B08B900-2051-CFAA-3E82-902CFF3DB448}"/>
+                <a16:creationId xmlns:a16="http://schemas.microsoft.com/office/drawing/2014/main" id="{6A0AC8CC-CE3A-12F5-4E8E-E22415F9B935}"/>
               </a:ext>
             </a:extLst>
           </p:cNvPr>
@@ -166,7 +166,7 @@
           <p:cNvPr id="3" name="副标题 2">
             <a:extLst>
               <a:ext uri="{FF2B5EF4-FFF2-40B4-BE49-F238E27FC236}">
-                <a16:creationId xmlns:a16="http://schemas.microsoft.com/office/drawing/2014/main" id="{89ED4E48-9E2C-7A03-CC05-73FC01C93F30}"/>
+                <a16:creationId xmlns:a16="http://schemas.microsoft.com/office/drawing/2014/main" id="{B630346D-A712-3DE6-0256-489420485A5F}"/>
               </a:ext>
             </a:extLst>
           </p:cNvPr>
@@ -236,7 +236,7 @@
           <p:cNvPr id="4" name="日期占位符 3">
             <a:extLst>
               <a:ext uri="{FF2B5EF4-FFF2-40B4-BE49-F238E27FC236}">
-                <a16:creationId xmlns:a16="http://schemas.microsoft.com/office/drawing/2014/main" id="{1DC7DF84-E2E5-5977-C620-039477566EED}"/>
+                <a16:creationId xmlns:a16="http://schemas.microsoft.com/office/drawing/2014/main" id="{E7D80F78-351B-B5D3-80B4-E1181F8A7A68}"/>
               </a:ext>
             </a:extLst>
           </p:cNvPr>
@@ -252,7 +252,7 @@
           <a:bodyPr/>
           <a:lstStyle/>
           <a:p>
-            <a:fld id="{8762AD79-14E2-4991-AA64-14075B7174F0}" type="datetimeFigureOut">
+            <a:fld id="{7F051203-E59D-4FC5-98BB-55CC9DD55C16}" type="datetimeFigureOut">
               <a:rPr lang="zh-CN" altLang="en-US" smtClean="0"/>
               <a:t>2024/3/10</a:t>
             </a:fld>
@@ -265,7 +265,7 @@
           <p:cNvPr id="5" name="页脚占位符 4">
             <a:extLst>
               <a:ext uri="{FF2B5EF4-FFF2-40B4-BE49-F238E27FC236}">
-                <a16:creationId xmlns:a16="http://schemas.microsoft.com/office/drawing/2014/main" id="{005006DC-6B65-499C-DA78-AAFDFF4FE5A6}"/>
+                <a16:creationId xmlns:a16="http://schemas.microsoft.com/office/drawing/2014/main" id="{794192D3-04B8-8CB9-575B-BB8E1798E71D}"/>
               </a:ext>
             </a:extLst>
           </p:cNvPr>
@@ -290,7 +290,7 @@
           <p:cNvPr id="6" name="灯片编号占位符 5">
             <a:extLst>
               <a:ext uri="{FF2B5EF4-FFF2-40B4-BE49-F238E27FC236}">
-                <a16:creationId xmlns:a16="http://schemas.microsoft.com/office/drawing/2014/main" id="{EA2FCBEA-94E9-871F-3DE7-C8DB61800896}"/>
+                <a16:creationId xmlns:a16="http://schemas.microsoft.com/office/drawing/2014/main" id="{F9E60820-F34C-BD72-EA23-2C2FDB235F1D}"/>
               </a:ext>
             </a:extLst>
           </p:cNvPr>
@@ -306,7 +306,7 @@
           <a:bodyPr/>
           <a:lstStyle/>
           <a:p>
-            <a:fld id="{863C2184-DD8F-4A14-B30B-43524D7AA810}" type="slidenum">
+            <a:fld id="{DC995709-9D4F-4425-8918-6C88ECB820ED}" type="slidenum">
               <a:rPr lang="zh-CN" altLang="en-US" smtClean="0"/>
               <a:t>‹#›</a:t>
             </a:fld>
@@ -317,7 +317,7 @@
     </p:spTree>
     <p:extLst>
       <p:ext uri="{BB962C8B-B14F-4D97-AF65-F5344CB8AC3E}">
-        <p14:creationId xmlns:p14="http://schemas.microsoft.com/office/powerpoint/2010/main" val="2142808833"/>
+        <p14:creationId xmlns:p14="http://schemas.microsoft.com/office/powerpoint/2010/main" val="980803978"/>
       </p:ext>
     </p:extLst>
   </p:cSld>
@@ -349,7 +349,7 @@
           <p:cNvPr id="2" name="标题 1">
             <a:extLst>
               <a:ext uri="{FF2B5EF4-FFF2-40B4-BE49-F238E27FC236}">
-                <a16:creationId xmlns:a16="http://schemas.microsoft.com/office/drawing/2014/main" id="{D1D0E873-8370-FDF1-FBB2-C43B994A03DB}"/>
+                <a16:creationId xmlns:a16="http://schemas.microsoft.com/office/drawing/2014/main" id="{644515B7-979D-3BE4-1ED9-5F7A92E5A04A}"/>
               </a:ext>
             </a:extLst>
           </p:cNvPr>
@@ -377,7 +377,7 @@
           <p:cNvPr id="3" name="竖排文字占位符 2">
             <a:extLst>
               <a:ext uri="{FF2B5EF4-FFF2-40B4-BE49-F238E27FC236}">
-                <a16:creationId xmlns:a16="http://schemas.microsoft.com/office/drawing/2014/main" id="{BD1C0889-24D2-8850-7232-26FB7E98BC94}"/>
+                <a16:creationId xmlns:a16="http://schemas.microsoft.com/office/drawing/2014/main" id="{654FB708-B60D-81E5-3BD2-9B635553A4C2}"/>
               </a:ext>
             </a:extLst>
           </p:cNvPr>
@@ -434,7 +434,7 @@
           <p:cNvPr id="4" name="日期占位符 3">
             <a:extLst>
               <a:ext uri="{FF2B5EF4-FFF2-40B4-BE49-F238E27FC236}">
-                <a16:creationId xmlns:a16="http://schemas.microsoft.com/office/drawing/2014/main" id="{4F94B765-0369-6994-85E4-C560EAA5FA4B}"/>
+                <a16:creationId xmlns:a16="http://schemas.microsoft.com/office/drawing/2014/main" id="{E57DD274-47D7-BAEA-EBF3-5558477E09C5}"/>
               </a:ext>
             </a:extLst>
           </p:cNvPr>
@@ -450,7 +450,7 @@
           <a:bodyPr/>
           <a:lstStyle/>
           <a:p>
-            <a:fld id="{8762AD79-14E2-4991-AA64-14075B7174F0}" type="datetimeFigureOut">
+            <a:fld id="{7F051203-E59D-4FC5-98BB-55CC9DD55C16}" type="datetimeFigureOut">
               <a:rPr lang="zh-CN" altLang="en-US" smtClean="0"/>
               <a:t>2024/3/10</a:t>
             </a:fld>
@@ -463,7 +463,7 @@
           <p:cNvPr id="5" name="页脚占位符 4">
             <a:extLst>
               <a:ext uri="{FF2B5EF4-FFF2-40B4-BE49-F238E27FC236}">
-                <a16:creationId xmlns:a16="http://schemas.microsoft.com/office/drawing/2014/main" id="{F2BAF779-F879-587D-3801-FF6716C39DED}"/>
+                <a16:creationId xmlns:a16="http://schemas.microsoft.com/office/drawing/2014/main" id="{A327A799-12E2-1AD6-0CC0-0E81AE49F807}"/>
               </a:ext>
             </a:extLst>
           </p:cNvPr>
@@ -488,7 +488,7 @@
           <p:cNvPr id="6" name="灯片编号占位符 5">
             <a:extLst>
               <a:ext uri="{FF2B5EF4-FFF2-40B4-BE49-F238E27FC236}">
-                <a16:creationId xmlns:a16="http://schemas.microsoft.com/office/drawing/2014/main" id="{B2C3C60C-A422-4805-A094-E8EEA2D29B09}"/>
+                <a16:creationId xmlns:a16="http://schemas.microsoft.com/office/drawing/2014/main" id="{D99AC4B7-3F0B-6883-7119-EABBD7C4A8C0}"/>
               </a:ext>
             </a:extLst>
           </p:cNvPr>
@@ -504,7 +504,7 @@
           <a:bodyPr/>
           <a:lstStyle/>
           <a:p>
-            <a:fld id="{863C2184-DD8F-4A14-B30B-43524D7AA810}" type="slidenum">
+            <a:fld id="{DC995709-9D4F-4425-8918-6C88ECB820ED}" type="slidenum">
               <a:rPr lang="zh-CN" altLang="en-US" smtClean="0"/>
               <a:t>‹#›</a:t>
             </a:fld>
@@ -515,7 +515,7 @@
     </p:spTree>
     <p:extLst>
       <p:ext uri="{BB962C8B-B14F-4D97-AF65-F5344CB8AC3E}">
-        <p14:creationId xmlns:p14="http://schemas.microsoft.com/office/powerpoint/2010/main" val="41949446"/>
+        <p14:creationId xmlns:p14="http://schemas.microsoft.com/office/powerpoint/2010/main" val="2144912275"/>
       </p:ext>
     </p:extLst>
   </p:cSld>
@@ -547,7 +547,7 @@
           <p:cNvPr id="2" name="竖排标题 1">
             <a:extLst>
               <a:ext uri="{FF2B5EF4-FFF2-40B4-BE49-F238E27FC236}">
-                <a16:creationId xmlns:a16="http://schemas.microsoft.com/office/drawing/2014/main" id="{BC0C164E-59AD-E4C5-656A-724769E29B31}"/>
+                <a16:creationId xmlns:a16="http://schemas.microsoft.com/office/drawing/2014/main" id="{899923A1-834A-E185-C225-135BAA28007C}"/>
               </a:ext>
             </a:extLst>
           </p:cNvPr>
@@ -580,7 +580,7 @@
           <p:cNvPr id="3" name="竖排文字占位符 2">
             <a:extLst>
               <a:ext uri="{FF2B5EF4-FFF2-40B4-BE49-F238E27FC236}">
-                <a16:creationId xmlns:a16="http://schemas.microsoft.com/office/drawing/2014/main" id="{57CE0F76-8E15-F6C4-AFCA-659CE4368AD4}"/>
+                <a16:creationId xmlns:a16="http://schemas.microsoft.com/office/drawing/2014/main" id="{052A5FF4-B080-841C-A1DA-9784BAA8D431}"/>
               </a:ext>
             </a:extLst>
           </p:cNvPr>
@@ -642,7 +642,7 @@
           <p:cNvPr id="4" name="日期占位符 3">
             <a:extLst>
               <a:ext uri="{FF2B5EF4-FFF2-40B4-BE49-F238E27FC236}">
-                <a16:creationId xmlns:a16="http://schemas.microsoft.com/office/drawing/2014/main" id="{5A6D87BC-D515-DEE9-91C2-7A731EF1832F}"/>
+                <a16:creationId xmlns:a16="http://schemas.microsoft.com/office/drawing/2014/main" id="{BB25EF14-9323-E250-6C8B-F14446A64BA8}"/>
               </a:ext>
             </a:extLst>
           </p:cNvPr>
@@ -658,7 +658,7 @@
           <a:bodyPr/>
           <a:lstStyle/>
           <a:p>
-            <a:fld id="{8762AD79-14E2-4991-AA64-14075B7174F0}" type="datetimeFigureOut">
+            <a:fld id="{7F051203-E59D-4FC5-98BB-55CC9DD55C16}" type="datetimeFigureOut">
               <a:rPr lang="zh-CN" altLang="en-US" smtClean="0"/>
               <a:t>2024/3/10</a:t>
             </a:fld>
@@ -671,7 +671,7 @@
           <p:cNvPr id="5" name="页脚占位符 4">
             <a:extLst>
               <a:ext uri="{FF2B5EF4-FFF2-40B4-BE49-F238E27FC236}">
-                <a16:creationId xmlns:a16="http://schemas.microsoft.com/office/drawing/2014/main" id="{EAED8AB3-C62E-EA05-21CD-88EADDC03D42}"/>
+                <a16:creationId xmlns:a16="http://schemas.microsoft.com/office/drawing/2014/main" id="{20409E65-835F-30E6-C557-1AD6105DE143}"/>
               </a:ext>
             </a:extLst>
           </p:cNvPr>
@@ -696,7 +696,7 @@
           <p:cNvPr id="6" name="灯片编号占位符 5">
             <a:extLst>
               <a:ext uri="{FF2B5EF4-FFF2-40B4-BE49-F238E27FC236}">
-                <a16:creationId xmlns:a16="http://schemas.microsoft.com/office/drawing/2014/main" id="{732A8007-22A9-16C9-C8F9-165EE5E9E8F9}"/>
+                <a16:creationId xmlns:a16="http://schemas.microsoft.com/office/drawing/2014/main" id="{178CDF01-BEC2-2CF8-6BEB-97B924E1CD2B}"/>
               </a:ext>
             </a:extLst>
           </p:cNvPr>
@@ -712,7 +712,7 @@
           <a:bodyPr/>
           <a:lstStyle/>
           <a:p>
-            <a:fld id="{863C2184-DD8F-4A14-B30B-43524D7AA810}" type="slidenum">
+            <a:fld id="{DC995709-9D4F-4425-8918-6C88ECB820ED}" type="slidenum">
               <a:rPr lang="zh-CN" altLang="en-US" smtClean="0"/>
               <a:t>‹#›</a:t>
             </a:fld>
@@ -723,7 +723,7 @@
     </p:spTree>
     <p:extLst>
       <p:ext uri="{BB962C8B-B14F-4D97-AF65-F5344CB8AC3E}">
-        <p14:creationId xmlns:p14="http://schemas.microsoft.com/office/powerpoint/2010/main" val="2923672301"/>
+        <p14:creationId xmlns:p14="http://schemas.microsoft.com/office/powerpoint/2010/main" val="1221327172"/>
       </p:ext>
     </p:extLst>
   </p:cSld>
@@ -755,7 +755,7 @@
           <p:cNvPr id="2" name="标题 1">
             <a:extLst>
               <a:ext uri="{FF2B5EF4-FFF2-40B4-BE49-F238E27FC236}">
-                <a16:creationId xmlns:a16="http://schemas.microsoft.com/office/drawing/2014/main" id="{CB18247C-39DC-3127-A74B-FB6DD9277A6E}"/>
+                <a16:creationId xmlns:a16="http://schemas.microsoft.com/office/drawing/2014/main" id="{94E02EDD-3C4A-2324-9936-B17F718C0C32}"/>
               </a:ext>
             </a:extLst>
           </p:cNvPr>
@@ -783,7 +783,7 @@
           <p:cNvPr id="3" name="内容占位符 2">
             <a:extLst>
               <a:ext uri="{FF2B5EF4-FFF2-40B4-BE49-F238E27FC236}">
-                <a16:creationId xmlns:a16="http://schemas.microsoft.com/office/drawing/2014/main" id="{66EC064A-A525-FD87-5FC3-F2AED6C2907C}"/>
+                <a16:creationId xmlns:a16="http://schemas.microsoft.com/office/drawing/2014/main" id="{0E88DA79-E5F9-8138-467E-DB5B9F7CC840}"/>
               </a:ext>
             </a:extLst>
           </p:cNvPr>
@@ -840,7 +840,7 @@
           <p:cNvPr id="4" name="日期占位符 3">
             <a:extLst>
               <a:ext uri="{FF2B5EF4-FFF2-40B4-BE49-F238E27FC236}">
-                <a16:creationId xmlns:a16="http://schemas.microsoft.com/office/drawing/2014/main" id="{22CC75B7-4BD5-FC0A-F9C8-E96BED028140}"/>
+                <a16:creationId xmlns:a16="http://schemas.microsoft.com/office/drawing/2014/main" id="{F3CB968C-14EE-5DDA-0952-2E92D95545CF}"/>
               </a:ext>
             </a:extLst>
           </p:cNvPr>
@@ -856,7 +856,7 @@
           <a:bodyPr/>
           <a:lstStyle/>
           <a:p>
-            <a:fld id="{8762AD79-14E2-4991-AA64-14075B7174F0}" type="datetimeFigureOut">
+            <a:fld id="{7F051203-E59D-4FC5-98BB-55CC9DD55C16}" type="datetimeFigureOut">
               <a:rPr lang="zh-CN" altLang="en-US" smtClean="0"/>
               <a:t>2024/3/10</a:t>
             </a:fld>
@@ -869,7 +869,7 @@
           <p:cNvPr id="5" name="页脚占位符 4">
             <a:extLst>
               <a:ext uri="{FF2B5EF4-FFF2-40B4-BE49-F238E27FC236}">
-                <a16:creationId xmlns:a16="http://schemas.microsoft.com/office/drawing/2014/main" id="{16303CA2-8F61-8EDB-3F8F-7CE0E54887A1}"/>
+                <a16:creationId xmlns:a16="http://schemas.microsoft.com/office/drawing/2014/main" id="{31D2C965-D42F-4813-D3D8-A5ED08B67D45}"/>
               </a:ext>
             </a:extLst>
           </p:cNvPr>
@@ -894,7 +894,7 @@
           <p:cNvPr id="6" name="灯片编号占位符 5">
             <a:extLst>
               <a:ext uri="{FF2B5EF4-FFF2-40B4-BE49-F238E27FC236}">
-                <a16:creationId xmlns:a16="http://schemas.microsoft.com/office/drawing/2014/main" id="{15061B8E-4E95-380D-A765-2402803CAF2C}"/>
+                <a16:creationId xmlns:a16="http://schemas.microsoft.com/office/drawing/2014/main" id="{B02F0EE8-1130-F32D-6118-D3B6B70ECCF9}"/>
               </a:ext>
             </a:extLst>
           </p:cNvPr>
@@ -910,7 +910,7 @@
           <a:bodyPr/>
           <a:lstStyle/>
           <a:p>
-            <a:fld id="{863C2184-DD8F-4A14-B30B-43524D7AA810}" type="slidenum">
+            <a:fld id="{DC995709-9D4F-4425-8918-6C88ECB820ED}" type="slidenum">
               <a:rPr lang="zh-CN" altLang="en-US" smtClean="0"/>
               <a:t>‹#›</a:t>
             </a:fld>
@@ -921,7 +921,7 @@
     </p:spTree>
     <p:extLst>
       <p:ext uri="{BB962C8B-B14F-4D97-AF65-F5344CB8AC3E}">
-        <p14:creationId xmlns:p14="http://schemas.microsoft.com/office/powerpoint/2010/main" val="188006867"/>
+        <p14:creationId xmlns:p14="http://schemas.microsoft.com/office/powerpoint/2010/main" val="4233355062"/>
       </p:ext>
     </p:extLst>
   </p:cSld>
@@ -953,7 +953,7 @@
           <p:cNvPr id="2" name="标题 1">
             <a:extLst>
               <a:ext uri="{FF2B5EF4-FFF2-40B4-BE49-F238E27FC236}">
-                <a16:creationId xmlns:a16="http://schemas.microsoft.com/office/drawing/2014/main" id="{315D5BDF-F364-9901-D9A1-A3A2895998A4}"/>
+                <a16:creationId xmlns:a16="http://schemas.microsoft.com/office/drawing/2014/main" id="{C0F8D9CF-DBFD-00A7-1C20-2010454D3A77}"/>
               </a:ext>
             </a:extLst>
           </p:cNvPr>
@@ -990,7 +990,7 @@
           <p:cNvPr id="3" name="文本占位符 2">
             <a:extLst>
               <a:ext uri="{FF2B5EF4-FFF2-40B4-BE49-F238E27FC236}">
-                <a16:creationId xmlns:a16="http://schemas.microsoft.com/office/drawing/2014/main" id="{1114AC5A-B0E9-0D62-5D7A-E6AAD4AC4A55}"/>
+                <a16:creationId xmlns:a16="http://schemas.microsoft.com/office/drawing/2014/main" id="{DA8D88E3-FC02-D68F-7202-FCF9ED4CA971}"/>
               </a:ext>
             </a:extLst>
           </p:cNvPr>
@@ -1115,7 +1115,7 @@
           <p:cNvPr id="4" name="日期占位符 3">
             <a:extLst>
               <a:ext uri="{FF2B5EF4-FFF2-40B4-BE49-F238E27FC236}">
-                <a16:creationId xmlns:a16="http://schemas.microsoft.com/office/drawing/2014/main" id="{1CE0B71B-EBAD-370A-3BE0-DC03B06BD7EA}"/>
+                <a16:creationId xmlns:a16="http://schemas.microsoft.com/office/drawing/2014/main" id="{D5C0B9E9-B455-44F2-BD84-41A2945B72F8}"/>
               </a:ext>
             </a:extLst>
           </p:cNvPr>
@@ -1131,7 +1131,7 @@
           <a:bodyPr/>
           <a:lstStyle/>
           <a:p>
-            <a:fld id="{8762AD79-14E2-4991-AA64-14075B7174F0}" type="datetimeFigureOut">
+            <a:fld id="{7F051203-E59D-4FC5-98BB-55CC9DD55C16}" type="datetimeFigureOut">
               <a:rPr lang="zh-CN" altLang="en-US" smtClean="0"/>
               <a:t>2024/3/10</a:t>
             </a:fld>
@@ -1144,7 +1144,7 @@
           <p:cNvPr id="5" name="页脚占位符 4">
             <a:extLst>
               <a:ext uri="{FF2B5EF4-FFF2-40B4-BE49-F238E27FC236}">
-                <a16:creationId xmlns:a16="http://schemas.microsoft.com/office/drawing/2014/main" id="{8AF4F7AD-BBC2-9D15-5666-61CEF1CE24C0}"/>
+                <a16:creationId xmlns:a16="http://schemas.microsoft.com/office/drawing/2014/main" id="{EC9B7F1E-8C07-B896-CF0D-0852FE7F3DC7}"/>
               </a:ext>
             </a:extLst>
           </p:cNvPr>
@@ -1169,7 +1169,7 @@
           <p:cNvPr id="6" name="灯片编号占位符 5">
             <a:extLst>
               <a:ext uri="{FF2B5EF4-FFF2-40B4-BE49-F238E27FC236}">
-                <a16:creationId xmlns:a16="http://schemas.microsoft.com/office/drawing/2014/main" id="{A9168C50-2293-D359-87A4-5F99CE8FF821}"/>
+                <a16:creationId xmlns:a16="http://schemas.microsoft.com/office/drawing/2014/main" id="{C1F2F77D-71E1-B8DE-D8B3-555B8F84F308}"/>
               </a:ext>
             </a:extLst>
           </p:cNvPr>
@@ -1185,7 +1185,7 @@
           <a:bodyPr/>
           <a:lstStyle/>
           <a:p>
-            <a:fld id="{863C2184-DD8F-4A14-B30B-43524D7AA810}" type="slidenum">
+            <a:fld id="{DC995709-9D4F-4425-8918-6C88ECB820ED}" type="slidenum">
               <a:rPr lang="zh-CN" altLang="en-US" smtClean="0"/>
               <a:t>‹#›</a:t>
             </a:fld>
@@ -1196,7 +1196,7 @@
     </p:spTree>
     <p:extLst>
       <p:ext uri="{BB962C8B-B14F-4D97-AF65-F5344CB8AC3E}">
-        <p14:creationId xmlns:p14="http://schemas.microsoft.com/office/powerpoint/2010/main" val="1442870105"/>
+        <p14:creationId xmlns:p14="http://schemas.microsoft.com/office/powerpoint/2010/main" val="2545561923"/>
       </p:ext>
     </p:extLst>
   </p:cSld>
@@ -1228,7 +1228,7 @@
           <p:cNvPr id="2" name="标题 1">
             <a:extLst>
               <a:ext uri="{FF2B5EF4-FFF2-40B4-BE49-F238E27FC236}">
-                <a16:creationId xmlns:a16="http://schemas.microsoft.com/office/drawing/2014/main" id="{C7DC7B70-A537-D671-5FA2-BAF24A26F6CA}"/>
+                <a16:creationId xmlns:a16="http://schemas.microsoft.com/office/drawing/2014/main" id="{DE10FAEB-5487-EFB3-9EF7-475B076CF39C}"/>
               </a:ext>
             </a:extLst>
           </p:cNvPr>
@@ -1256,7 +1256,7 @@
           <p:cNvPr id="3" name="内容占位符 2">
             <a:extLst>
               <a:ext uri="{FF2B5EF4-FFF2-40B4-BE49-F238E27FC236}">
-                <a16:creationId xmlns:a16="http://schemas.microsoft.com/office/drawing/2014/main" id="{B091F5EF-3FEC-2BCB-BEC2-88848417DB02}"/>
+                <a16:creationId xmlns:a16="http://schemas.microsoft.com/office/drawing/2014/main" id="{60594EBB-37EA-61D6-5F2E-36D65821B848}"/>
               </a:ext>
             </a:extLst>
           </p:cNvPr>
@@ -1318,7 +1318,7 @@
           <p:cNvPr id="4" name="内容占位符 3">
             <a:extLst>
               <a:ext uri="{FF2B5EF4-FFF2-40B4-BE49-F238E27FC236}">
-                <a16:creationId xmlns:a16="http://schemas.microsoft.com/office/drawing/2014/main" id="{B9018217-3FA3-8EF1-1B3A-B6206A7BF742}"/>
+                <a16:creationId xmlns:a16="http://schemas.microsoft.com/office/drawing/2014/main" id="{D14E0E66-860B-58CA-E63C-CE8D019514B4}"/>
               </a:ext>
             </a:extLst>
           </p:cNvPr>
@@ -1380,7 +1380,7 @@
           <p:cNvPr id="5" name="日期占位符 4">
             <a:extLst>
               <a:ext uri="{FF2B5EF4-FFF2-40B4-BE49-F238E27FC236}">
-                <a16:creationId xmlns:a16="http://schemas.microsoft.com/office/drawing/2014/main" id="{1033D134-7895-81F1-9758-122D9925D440}"/>
+                <a16:creationId xmlns:a16="http://schemas.microsoft.com/office/drawing/2014/main" id="{360528DF-C603-1A44-A63C-683703641510}"/>
               </a:ext>
             </a:extLst>
           </p:cNvPr>
@@ -1396,7 +1396,7 @@
           <a:bodyPr/>
           <a:lstStyle/>
           <a:p>
-            <a:fld id="{8762AD79-14E2-4991-AA64-14075B7174F0}" type="datetimeFigureOut">
+            <a:fld id="{7F051203-E59D-4FC5-98BB-55CC9DD55C16}" type="datetimeFigureOut">
               <a:rPr lang="zh-CN" altLang="en-US" smtClean="0"/>
               <a:t>2024/3/10</a:t>
             </a:fld>
@@ -1409,7 +1409,7 @@
           <p:cNvPr id="6" name="页脚占位符 5">
             <a:extLst>
               <a:ext uri="{FF2B5EF4-FFF2-40B4-BE49-F238E27FC236}">
-                <a16:creationId xmlns:a16="http://schemas.microsoft.com/office/drawing/2014/main" id="{372663D0-DF74-7784-D6FE-BD25C9947039}"/>
+                <a16:creationId xmlns:a16="http://schemas.microsoft.com/office/drawing/2014/main" id="{E25ED9B7-1CED-514F-52DB-43CFFA357F0E}"/>
               </a:ext>
             </a:extLst>
           </p:cNvPr>
@@ -1434,7 +1434,7 @@
           <p:cNvPr id="7" name="灯片编号占位符 6">
             <a:extLst>
               <a:ext uri="{FF2B5EF4-FFF2-40B4-BE49-F238E27FC236}">
-                <a16:creationId xmlns:a16="http://schemas.microsoft.com/office/drawing/2014/main" id="{DBB98E69-FCC0-AB79-6EEE-F3440245B0BF}"/>
+                <a16:creationId xmlns:a16="http://schemas.microsoft.com/office/drawing/2014/main" id="{E5DCAE63-2D2A-F3F9-C820-7A678CC218AF}"/>
               </a:ext>
             </a:extLst>
           </p:cNvPr>
@@ -1450,7 +1450,7 @@
           <a:bodyPr/>
           <a:lstStyle/>
           <a:p>
-            <a:fld id="{863C2184-DD8F-4A14-B30B-43524D7AA810}" type="slidenum">
+            <a:fld id="{DC995709-9D4F-4425-8918-6C88ECB820ED}" type="slidenum">
               <a:rPr lang="zh-CN" altLang="en-US" smtClean="0"/>
               <a:t>‹#›</a:t>
             </a:fld>
@@ -1461,7 +1461,7 @@
     </p:spTree>
     <p:extLst>
       <p:ext uri="{BB962C8B-B14F-4D97-AF65-F5344CB8AC3E}">
-        <p14:creationId xmlns:p14="http://schemas.microsoft.com/office/powerpoint/2010/main" val="124328166"/>
+        <p14:creationId xmlns:p14="http://schemas.microsoft.com/office/powerpoint/2010/main" val="765523509"/>
       </p:ext>
     </p:extLst>
   </p:cSld>
@@ -1493,7 +1493,7 @@
           <p:cNvPr id="2" name="标题 1">
             <a:extLst>
               <a:ext uri="{FF2B5EF4-FFF2-40B4-BE49-F238E27FC236}">
-                <a16:creationId xmlns:a16="http://schemas.microsoft.com/office/drawing/2014/main" id="{F545D766-8638-311B-02DC-3D4C7EB2972B}"/>
+                <a16:creationId xmlns:a16="http://schemas.microsoft.com/office/drawing/2014/main" id="{15F74C44-CDAE-D66E-8FFE-56CD37B7097B}"/>
               </a:ext>
             </a:extLst>
           </p:cNvPr>
@@ -1526,7 +1526,7 @@
           <p:cNvPr id="3" name="文本占位符 2">
             <a:extLst>
               <a:ext uri="{FF2B5EF4-FFF2-40B4-BE49-F238E27FC236}">
-                <a16:creationId xmlns:a16="http://schemas.microsoft.com/office/drawing/2014/main" id="{C7154A9D-04DD-8421-68BC-047B9196C6F9}"/>
+                <a16:creationId xmlns:a16="http://schemas.microsoft.com/office/drawing/2014/main" id="{3438BB44-E187-485B-5689-A547AD22844F}"/>
               </a:ext>
             </a:extLst>
           </p:cNvPr>
@@ -1597,7 +1597,7 @@
           <p:cNvPr id="4" name="内容占位符 3">
             <a:extLst>
               <a:ext uri="{FF2B5EF4-FFF2-40B4-BE49-F238E27FC236}">
-                <a16:creationId xmlns:a16="http://schemas.microsoft.com/office/drawing/2014/main" id="{DBA08F87-58E5-AC26-AF7A-19A01B536282}"/>
+                <a16:creationId xmlns:a16="http://schemas.microsoft.com/office/drawing/2014/main" id="{A7FFF2DA-5119-A670-0385-D4773C9EFC9B}"/>
               </a:ext>
             </a:extLst>
           </p:cNvPr>
@@ -1659,7 +1659,7 @@
           <p:cNvPr id="5" name="文本占位符 4">
             <a:extLst>
               <a:ext uri="{FF2B5EF4-FFF2-40B4-BE49-F238E27FC236}">
-                <a16:creationId xmlns:a16="http://schemas.microsoft.com/office/drawing/2014/main" id="{AA069CB6-7944-38EF-24D8-36EDA0A30C39}"/>
+                <a16:creationId xmlns:a16="http://schemas.microsoft.com/office/drawing/2014/main" id="{96C2F768-8D14-B6B1-5446-2076F342FA9F}"/>
               </a:ext>
             </a:extLst>
           </p:cNvPr>
@@ -1730,7 +1730,7 @@
           <p:cNvPr id="6" name="内容占位符 5">
             <a:extLst>
               <a:ext uri="{FF2B5EF4-FFF2-40B4-BE49-F238E27FC236}">
-                <a16:creationId xmlns:a16="http://schemas.microsoft.com/office/drawing/2014/main" id="{490D6B0A-B0A5-AD26-78EF-41941301ED62}"/>
+                <a16:creationId xmlns:a16="http://schemas.microsoft.com/office/drawing/2014/main" id="{CF12DF70-DCA7-33E8-E508-C373306F92D0}"/>
               </a:ext>
             </a:extLst>
           </p:cNvPr>
@@ -1792,7 +1792,7 @@
           <p:cNvPr id="7" name="日期占位符 6">
             <a:extLst>
               <a:ext uri="{FF2B5EF4-FFF2-40B4-BE49-F238E27FC236}">
-                <a16:creationId xmlns:a16="http://schemas.microsoft.com/office/drawing/2014/main" id="{BD60864F-A862-BF17-9132-F815E7C8D942}"/>
+                <a16:creationId xmlns:a16="http://schemas.microsoft.com/office/drawing/2014/main" id="{62CF37BB-CFEA-AA21-B665-65236097ACA7}"/>
               </a:ext>
             </a:extLst>
           </p:cNvPr>
@@ -1808,7 +1808,7 @@
           <a:bodyPr/>
           <a:lstStyle/>
           <a:p>
-            <a:fld id="{8762AD79-14E2-4991-AA64-14075B7174F0}" type="datetimeFigureOut">
+            <a:fld id="{7F051203-E59D-4FC5-98BB-55CC9DD55C16}" type="datetimeFigureOut">
               <a:rPr lang="zh-CN" altLang="en-US" smtClean="0"/>
               <a:t>2024/3/10</a:t>
             </a:fld>
@@ -1821,7 +1821,7 @@
           <p:cNvPr id="8" name="页脚占位符 7">
             <a:extLst>
               <a:ext uri="{FF2B5EF4-FFF2-40B4-BE49-F238E27FC236}">
-                <a16:creationId xmlns:a16="http://schemas.microsoft.com/office/drawing/2014/main" id="{10056D1E-BEB7-C5CA-D05B-6BD745F1A4AE}"/>
+                <a16:creationId xmlns:a16="http://schemas.microsoft.com/office/drawing/2014/main" id="{64A893CD-E0F7-AD8D-1B67-023014D6BF20}"/>
               </a:ext>
             </a:extLst>
           </p:cNvPr>
@@ -1846,7 +1846,7 @@
           <p:cNvPr id="9" name="灯片编号占位符 8">
             <a:extLst>
               <a:ext uri="{FF2B5EF4-FFF2-40B4-BE49-F238E27FC236}">
-                <a16:creationId xmlns:a16="http://schemas.microsoft.com/office/drawing/2014/main" id="{77E82058-7381-F26F-0A71-CB96F55ED904}"/>
+                <a16:creationId xmlns:a16="http://schemas.microsoft.com/office/drawing/2014/main" id="{4AF869CC-C42F-3EDF-58B5-FA613287EB91}"/>
               </a:ext>
             </a:extLst>
           </p:cNvPr>
@@ -1862,7 +1862,7 @@
           <a:bodyPr/>
           <a:lstStyle/>
           <a:p>
-            <a:fld id="{863C2184-DD8F-4A14-B30B-43524D7AA810}" type="slidenum">
+            <a:fld id="{DC995709-9D4F-4425-8918-6C88ECB820ED}" type="slidenum">
               <a:rPr lang="zh-CN" altLang="en-US" smtClean="0"/>
               <a:t>‹#›</a:t>
             </a:fld>
@@ -1873,7 +1873,7 @@
     </p:spTree>
     <p:extLst>
       <p:ext uri="{BB962C8B-B14F-4D97-AF65-F5344CB8AC3E}">
-        <p14:creationId xmlns:p14="http://schemas.microsoft.com/office/powerpoint/2010/main" val="3300521754"/>
+        <p14:creationId xmlns:p14="http://schemas.microsoft.com/office/powerpoint/2010/main" val="2508109824"/>
       </p:ext>
     </p:extLst>
   </p:cSld>
@@ -1905,7 +1905,7 @@
           <p:cNvPr id="2" name="标题 1">
             <a:extLst>
               <a:ext uri="{FF2B5EF4-FFF2-40B4-BE49-F238E27FC236}">
-                <a16:creationId xmlns:a16="http://schemas.microsoft.com/office/drawing/2014/main" id="{490F1467-91C7-A028-74AB-21ABF4E2D9A5}"/>
+                <a16:creationId xmlns:a16="http://schemas.microsoft.com/office/drawing/2014/main" id="{1A0F1F3D-16BD-7F99-7AB2-83CCA30F4DA7}"/>
               </a:ext>
             </a:extLst>
           </p:cNvPr>
@@ -1933,7 +1933,7 @@
           <p:cNvPr id="3" name="日期占位符 2">
             <a:extLst>
               <a:ext uri="{FF2B5EF4-FFF2-40B4-BE49-F238E27FC236}">
-                <a16:creationId xmlns:a16="http://schemas.microsoft.com/office/drawing/2014/main" id="{EBB12B43-BF00-5CC7-E254-796742DDDE79}"/>
+                <a16:creationId xmlns:a16="http://schemas.microsoft.com/office/drawing/2014/main" id="{E3828A68-07BC-4A3F-47F7-74EA9B7E8ECD}"/>
               </a:ext>
             </a:extLst>
           </p:cNvPr>
@@ -1949,7 +1949,7 @@
           <a:bodyPr/>
           <a:lstStyle/>
           <a:p>
-            <a:fld id="{8762AD79-14E2-4991-AA64-14075B7174F0}" type="datetimeFigureOut">
+            <a:fld id="{7F051203-E59D-4FC5-98BB-55CC9DD55C16}" type="datetimeFigureOut">
               <a:rPr lang="zh-CN" altLang="en-US" smtClean="0"/>
               <a:t>2024/3/10</a:t>
             </a:fld>
@@ -1962,7 +1962,7 @@
           <p:cNvPr id="4" name="页脚占位符 3">
             <a:extLst>
               <a:ext uri="{FF2B5EF4-FFF2-40B4-BE49-F238E27FC236}">
-                <a16:creationId xmlns:a16="http://schemas.microsoft.com/office/drawing/2014/main" id="{7B77CD37-A9C9-57ED-A801-62AE3C8458BE}"/>
+                <a16:creationId xmlns:a16="http://schemas.microsoft.com/office/drawing/2014/main" id="{38119BD4-A464-F7EF-9D3C-83CED374F7BC}"/>
               </a:ext>
             </a:extLst>
           </p:cNvPr>
@@ -1987,7 +1987,7 @@
           <p:cNvPr id="5" name="灯片编号占位符 4">
             <a:extLst>
               <a:ext uri="{FF2B5EF4-FFF2-40B4-BE49-F238E27FC236}">
-                <a16:creationId xmlns:a16="http://schemas.microsoft.com/office/drawing/2014/main" id="{FB363EE8-5C74-DB97-1EC8-58B427C5CD44}"/>
+                <a16:creationId xmlns:a16="http://schemas.microsoft.com/office/drawing/2014/main" id="{1E5C2354-0456-1C22-6E1F-B9CCFCAA52F5}"/>
               </a:ext>
             </a:extLst>
           </p:cNvPr>
@@ -2003,7 +2003,7 @@
           <a:bodyPr/>
           <a:lstStyle/>
           <a:p>
-            <a:fld id="{863C2184-DD8F-4A14-B30B-43524D7AA810}" type="slidenum">
+            <a:fld id="{DC995709-9D4F-4425-8918-6C88ECB820ED}" type="slidenum">
               <a:rPr lang="zh-CN" altLang="en-US" smtClean="0"/>
               <a:t>‹#›</a:t>
             </a:fld>
@@ -2014,7 +2014,7 @@
     </p:spTree>
     <p:extLst>
       <p:ext uri="{BB962C8B-B14F-4D97-AF65-F5344CB8AC3E}">
-        <p14:creationId xmlns:p14="http://schemas.microsoft.com/office/powerpoint/2010/main" val="2812903821"/>
+        <p14:creationId xmlns:p14="http://schemas.microsoft.com/office/powerpoint/2010/main" val="3487445089"/>
       </p:ext>
     </p:extLst>
   </p:cSld>
@@ -2046,7 +2046,7 @@
           <p:cNvPr id="2" name="日期占位符 1">
             <a:extLst>
               <a:ext uri="{FF2B5EF4-FFF2-40B4-BE49-F238E27FC236}">
-                <a16:creationId xmlns:a16="http://schemas.microsoft.com/office/drawing/2014/main" id="{35ACA280-F437-B703-B603-53F96D695D06}"/>
+                <a16:creationId xmlns:a16="http://schemas.microsoft.com/office/drawing/2014/main" id="{AF8B571B-4223-0A79-3A18-640FF6506B63}"/>
               </a:ext>
             </a:extLst>
           </p:cNvPr>
@@ -2062,7 +2062,7 @@
           <a:bodyPr/>
           <a:lstStyle/>
           <a:p>
-            <a:fld id="{8762AD79-14E2-4991-AA64-14075B7174F0}" type="datetimeFigureOut">
+            <a:fld id="{7F051203-E59D-4FC5-98BB-55CC9DD55C16}" type="datetimeFigureOut">
               <a:rPr lang="zh-CN" altLang="en-US" smtClean="0"/>
               <a:t>2024/3/10</a:t>
             </a:fld>
@@ -2075,7 +2075,7 @@
           <p:cNvPr id="3" name="页脚占位符 2">
             <a:extLst>
               <a:ext uri="{FF2B5EF4-FFF2-40B4-BE49-F238E27FC236}">
-                <a16:creationId xmlns:a16="http://schemas.microsoft.com/office/drawing/2014/main" id="{95BD4CEE-EAF8-DE41-1298-63CA951A9A01}"/>
+                <a16:creationId xmlns:a16="http://schemas.microsoft.com/office/drawing/2014/main" id="{4909CC03-71FF-794B-8A18-7BDAA2CE0AD0}"/>
               </a:ext>
             </a:extLst>
           </p:cNvPr>
@@ -2100,7 +2100,7 @@
           <p:cNvPr id="4" name="灯片编号占位符 3">
             <a:extLst>
               <a:ext uri="{FF2B5EF4-FFF2-40B4-BE49-F238E27FC236}">
-                <a16:creationId xmlns:a16="http://schemas.microsoft.com/office/drawing/2014/main" id="{246068B7-3904-8BDE-4476-13A5F6D12FA8}"/>
+                <a16:creationId xmlns:a16="http://schemas.microsoft.com/office/drawing/2014/main" id="{782D9A74-59A5-905F-E239-CA6A2817C12A}"/>
               </a:ext>
             </a:extLst>
           </p:cNvPr>
@@ -2116,7 +2116,7 @@
           <a:bodyPr/>
           <a:lstStyle/>
           <a:p>
-            <a:fld id="{863C2184-DD8F-4A14-B30B-43524D7AA810}" type="slidenum">
+            <a:fld id="{DC995709-9D4F-4425-8918-6C88ECB820ED}" type="slidenum">
               <a:rPr lang="zh-CN" altLang="en-US" smtClean="0"/>
               <a:t>‹#›</a:t>
             </a:fld>
@@ -2127,7 +2127,7 @@
     </p:spTree>
     <p:extLst>
       <p:ext uri="{BB962C8B-B14F-4D97-AF65-F5344CB8AC3E}">
-        <p14:creationId xmlns:p14="http://schemas.microsoft.com/office/powerpoint/2010/main" val="1181025762"/>
+        <p14:creationId xmlns:p14="http://schemas.microsoft.com/office/powerpoint/2010/main" val="931641538"/>
       </p:ext>
     </p:extLst>
   </p:cSld>
@@ -2159,7 +2159,7 @@
           <p:cNvPr id="2" name="标题 1">
             <a:extLst>
               <a:ext uri="{FF2B5EF4-FFF2-40B4-BE49-F238E27FC236}">
-                <a16:creationId xmlns:a16="http://schemas.microsoft.com/office/drawing/2014/main" id="{20D4D959-327F-8013-5EC3-D1FEB9E012A4}"/>
+                <a16:creationId xmlns:a16="http://schemas.microsoft.com/office/drawing/2014/main" id="{D96755CE-BD3B-613A-F742-82263CA363C7}"/>
               </a:ext>
             </a:extLst>
           </p:cNvPr>
@@ -2196,7 +2196,7 @@
           <p:cNvPr id="3" name="内容占位符 2">
             <a:extLst>
               <a:ext uri="{FF2B5EF4-FFF2-40B4-BE49-F238E27FC236}">
-                <a16:creationId xmlns:a16="http://schemas.microsoft.com/office/drawing/2014/main" id="{B56743EE-0474-7F35-17CA-F561EBAFDD45}"/>
+                <a16:creationId xmlns:a16="http://schemas.microsoft.com/office/drawing/2014/main" id="{3805DDBC-E5FA-39A5-E885-699B5C4EF728}"/>
               </a:ext>
             </a:extLst>
           </p:cNvPr>
@@ -2286,7 +2286,7 @@
           <p:cNvPr id="4" name="文本占位符 3">
             <a:extLst>
               <a:ext uri="{FF2B5EF4-FFF2-40B4-BE49-F238E27FC236}">
-                <a16:creationId xmlns:a16="http://schemas.microsoft.com/office/drawing/2014/main" id="{6A7A36C2-8752-EE43-92EF-C5D1FCB96F8F}"/>
+                <a16:creationId xmlns:a16="http://schemas.microsoft.com/office/drawing/2014/main" id="{60FD1464-5C8B-BBA4-B625-A1268FE316C4}"/>
               </a:ext>
             </a:extLst>
           </p:cNvPr>
@@ -2357,7 +2357,7 @@
           <p:cNvPr id="5" name="日期占位符 4">
             <a:extLst>
               <a:ext uri="{FF2B5EF4-FFF2-40B4-BE49-F238E27FC236}">
-                <a16:creationId xmlns:a16="http://schemas.microsoft.com/office/drawing/2014/main" id="{236B63D3-25C8-1A88-90B5-D09301AE78A0}"/>
+                <a16:creationId xmlns:a16="http://schemas.microsoft.com/office/drawing/2014/main" id="{6D971EF9-630C-4AFA-700D-FE27E7480E86}"/>
               </a:ext>
             </a:extLst>
           </p:cNvPr>
@@ -2373,7 +2373,7 @@
           <a:bodyPr/>
           <a:lstStyle/>
           <a:p>
-            <a:fld id="{8762AD79-14E2-4991-AA64-14075B7174F0}" type="datetimeFigureOut">
+            <a:fld id="{7F051203-E59D-4FC5-98BB-55CC9DD55C16}" type="datetimeFigureOut">
               <a:rPr lang="zh-CN" altLang="en-US" smtClean="0"/>
               <a:t>2024/3/10</a:t>
             </a:fld>
@@ -2386,7 +2386,7 @@
           <p:cNvPr id="6" name="页脚占位符 5">
             <a:extLst>
               <a:ext uri="{FF2B5EF4-FFF2-40B4-BE49-F238E27FC236}">
-                <a16:creationId xmlns:a16="http://schemas.microsoft.com/office/drawing/2014/main" id="{C20E87A2-E7DA-72DB-74FA-AC8502F5C665}"/>
+                <a16:creationId xmlns:a16="http://schemas.microsoft.com/office/drawing/2014/main" id="{ADB3F03D-2BC0-994F-4894-3909D7071456}"/>
               </a:ext>
             </a:extLst>
           </p:cNvPr>
@@ -2411,7 +2411,7 @@
           <p:cNvPr id="7" name="灯片编号占位符 6">
             <a:extLst>
               <a:ext uri="{FF2B5EF4-FFF2-40B4-BE49-F238E27FC236}">
-                <a16:creationId xmlns:a16="http://schemas.microsoft.com/office/drawing/2014/main" id="{A966C37D-849E-039D-1063-1CA5151A9CBC}"/>
+                <a16:creationId xmlns:a16="http://schemas.microsoft.com/office/drawing/2014/main" id="{5CCF8CAA-6918-EE7B-A462-60D92EEC7250}"/>
               </a:ext>
             </a:extLst>
           </p:cNvPr>
@@ -2427,7 +2427,7 @@
           <a:bodyPr/>
           <a:lstStyle/>
           <a:p>
-            <a:fld id="{863C2184-DD8F-4A14-B30B-43524D7AA810}" type="slidenum">
+            <a:fld id="{DC995709-9D4F-4425-8918-6C88ECB820ED}" type="slidenum">
               <a:rPr lang="zh-CN" altLang="en-US" smtClean="0"/>
               <a:t>‹#›</a:t>
             </a:fld>
@@ -2438,7 +2438,7 @@
     </p:spTree>
     <p:extLst>
       <p:ext uri="{BB962C8B-B14F-4D97-AF65-F5344CB8AC3E}">
-        <p14:creationId xmlns:p14="http://schemas.microsoft.com/office/powerpoint/2010/main" val="2479513974"/>
+        <p14:creationId xmlns:p14="http://schemas.microsoft.com/office/powerpoint/2010/main" val="1212233217"/>
       </p:ext>
     </p:extLst>
   </p:cSld>
@@ -2470,7 +2470,7 @@
           <p:cNvPr id="2" name="标题 1">
             <a:extLst>
               <a:ext uri="{FF2B5EF4-FFF2-40B4-BE49-F238E27FC236}">
-                <a16:creationId xmlns:a16="http://schemas.microsoft.com/office/drawing/2014/main" id="{5C69BDE1-218D-F436-5FAD-7137C4310CCA}"/>
+                <a16:creationId xmlns:a16="http://schemas.microsoft.com/office/drawing/2014/main" id="{ED24BAC4-2D96-97A7-44BD-9844AE859342}"/>
               </a:ext>
             </a:extLst>
           </p:cNvPr>
@@ -2507,7 +2507,7 @@
           <p:cNvPr id="3" name="图片占位符 2">
             <a:extLst>
               <a:ext uri="{FF2B5EF4-FFF2-40B4-BE49-F238E27FC236}">
-                <a16:creationId xmlns:a16="http://schemas.microsoft.com/office/drawing/2014/main" id="{710A9F71-2B2F-2FD6-740A-99AD9F79EF6A}"/>
+                <a16:creationId xmlns:a16="http://schemas.microsoft.com/office/drawing/2014/main" id="{16DA0DB1-5DDA-07FA-8FF4-3C968EC9A55F}"/>
               </a:ext>
             </a:extLst>
           </p:cNvPr>
@@ -2574,7 +2574,7 @@
           <p:cNvPr id="4" name="文本占位符 3">
             <a:extLst>
               <a:ext uri="{FF2B5EF4-FFF2-40B4-BE49-F238E27FC236}">
-                <a16:creationId xmlns:a16="http://schemas.microsoft.com/office/drawing/2014/main" id="{D20649A0-FCBA-DA0B-6B17-D06548F56B5F}"/>
+                <a16:creationId xmlns:a16="http://schemas.microsoft.com/office/drawing/2014/main" id="{49AF6B47-B518-F3E7-2627-EB8B45153FA9}"/>
               </a:ext>
             </a:extLst>
           </p:cNvPr>
@@ -2645,7 +2645,7 @@
           <p:cNvPr id="5" name="日期占位符 4">
             <a:extLst>
               <a:ext uri="{FF2B5EF4-FFF2-40B4-BE49-F238E27FC236}">
-                <a16:creationId xmlns:a16="http://schemas.microsoft.com/office/drawing/2014/main" id="{440C4BDB-09A1-5443-A9AE-943A2DAE59B6}"/>
+                <a16:creationId xmlns:a16="http://schemas.microsoft.com/office/drawing/2014/main" id="{FDABBD59-3807-1842-5B8F-B4622F7914CF}"/>
               </a:ext>
             </a:extLst>
           </p:cNvPr>
@@ -2661,7 +2661,7 @@
           <a:bodyPr/>
           <a:lstStyle/>
           <a:p>
-            <a:fld id="{8762AD79-14E2-4991-AA64-14075B7174F0}" type="datetimeFigureOut">
+            <a:fld id="{7F051203-E59D-4FC5-98BB-55CC9DD55C16}" type="datetimeFigureOut">
               <a:rPr lang="zh-CN" altLang="en-US" smtClean="0"/>
               <a:t>2024/3/10</a:t>
             </a:fld>
@@ -2674,7 +2674,7 @@
           <p:cNvPr id="6" name="页脚占位符 5">
             <a:extLst>
               <a:ext uri="{FF2B5EF4-FFF2-40B4-BE49-F238E27FC236}">
-                <a16:creationId xmlns:a16="http://schemas.microsoft.com/office/drawing/2014/main" id="{B9E95F0D-847D-F3DC-498C-318DC4AFC304}"/>
+                <a16:creationId xmlns:a16="http://schemas.microsoft.com/office/drawing/2014/main" id="{3D1095C3-C829-7EDE-4408-01C666D06615}"/>
               </a:ext>
             </a:extLst>
           </p:cNvPr>
@@ -2699,7 +2699,7 @@
           <p:cNvPr id="7" name="灯片编号占位符 6">
             <a:extLst>
               <a:ext uri="{FF2B5EF4-FFF2-40B4-BE49-F238E27FC236}">
-                <a16:creationId xmlns:a16="http://schemas.microsoft.com/office/drawing/2014/main" id="{24B6CBCA-F42D-0590-FE53-0B5D70D25BE8}"/>
+                <a16:creationId xmlns:a16="http://schemas.microsoft.com/office/drawing/2014/main" id="{692E8EBB-1220-761F-822D-77107AD18DAF}"/>
               </a:ext>
             </a:extLst>
           </p:cNvPr>
@@ -2715,7 +2715,7 @@
           <a:bodyPr/>
           <a:lstStyle/>
           <a:p>
-            <a:fld id="{863C2184-DD8F-4A14-B30B-43524D7AA810}" type="slidenum">
+            <a:fld id="{DC995709-9D4F-4425-8918-6C88ECB820ED}" type="slidenum">
               <a:rPr lang="zh-CN" altLang="en-US" smtClean="0"/>
               <a:t>‹#›</a:t>
             </a:fld>
@@ -2726,7 +2726,7 @@
     </p:spTree>
     <p:extLst>
       <p:ext uri="{BB962C8B-B14F-4D97-AF65-F5344CB8AC3E}">
-        <p14:creationId xmlns:p14="http://schemas.microsoft.com/office/powerpoint/2010/main" val="226613095"/>
+        <p14:creationId xmlns:p14="http://schemas.microsoft.com/office/powerpoint/2010/main" val="2083162494"/>
       </p:ext>
     </p:extLst>
   </p:cSld>
@@ -2763,7 +2763,7 @@
           <p:cNvPr id="2" name="标题占位符 1">
             <a:extLst>
               <a:ext uri="{FF2B5EF4-FFF2-40B4-BE49-F238E27FC236}">
-                <a16:creationId xmlns:a16="http://schemas.microsoft.com/office/drawing/2014/main" id="{79757177-B620-EA69-8D63-ECDE981E52A8}"/>
+                <a16:creationId xmlns:a16="http://schemas.microsoft.com/office/drawing/2014/main" id="{051FBFDE-8F61-4509-F51A-F205C880BFCF}"/>
               </a:ext>
             </a:extLst>
           </p:cNvPr>
@@ -2801,7 +2801,7 @@
           <p:cNvPr id="3" name="文本占位符 2">
             <a:extLst>
               <a:ext uri="{FF2B5EF4-FFF2-40B4-BE49-F238E27FC236}">
-                <a16:creationId xmlns:a16="http://schemas.microsoft.com/office/drawing/2014/main" id="{D64D095F-C0F6-151C-0C85-7F7DF3ED7B91}"/>
+                <a16:creationId xmlns:a16="http://schemas.microsoft.com/office/drawing/2014/main" id="{E55D3BB7-972B-F15C-EAAF-5164AFA383CD}"/>
               </a:ext>
             </a:extLst>
           </p:cNvPr>
@@ -2868,7 +2868,7 @@
           <p:cNvPr id="4" name="日期占位符 3">
             <a:extLst>
               <a:ext uri="{FF2B5EF4-FFF2-40B4-BE49-F238E27FC236}">
-                <a16:creationId xmlns:a16="http://schemas.microsoft.com/office/drawing/2014/main" id="{14A8C795-25F9-9CDA-3B74-01C1B59B2ACF}"/>
+                <a16:creationId xmlns:a16="http://schemas.microsoft.com/office/drawing/2014/main" id="{C37BD8C7-4AFB-7410-0A40-C600037A31D3}"/>
               </a:ext>
             </a:extLst>
           </p:cNvPr>
@@ -2902,7 +2902,7 @@
             </a:lvl1pPr>
           </a:lstStyle>
           <a:p>
-            <a:fld id="{8762AD79-14E2-4991-AA64-14075B7174F0}" type="datetimeFigureOut">
+            <a:fld id="{7F051203-E59D-4FC5-98BB-55CC9DD55C16}" type="datetimeFigureOut">
               <a:rPr lang="zh-CN" altLang="en-US" smtClean="0"/>
               <a:t>2024/3/10</a:t>
             </a:fld>
@@ -2915,7 +2915,7 @@
           <p:cNvPr id="5" name="页脚占位符 4">
             <a:extLst>
               <a:ext uri="{FF2B5EF4-FFF2-40B4-BE49-F238E27FC236}">
-                <a16:creationId xmlns:a16="http://schemas.microsoft.com/office/drawing/2014/main" id="{DA59921F-6C22-6A37-D7BE-C08AA9F1DA57}"/>
+                <a16:creationId xmlns:a16="http://schemas.microsoft.com/office/drawing/2014/main" id="{C1087BB5-6E81-A4D2-5D34-213F97044457}"/>
               </a:ext>
             </a:extLst>
           </p:cNvPr>
@@ -2958,7 +2958,7 @@
           <p:cNvPr id="6" name="灯片编号占位符 5">
             <a:extLst>
               <a:ext uri="{FF2B5EF4-FFF2-40B4-BE49-F238E27FC236}">
-                <a16:creationId xmlns:a16="http://schemas.microsoft.com/office/drawing/2014/main" id="{2059A2EC-48B6-6970-4925-6F0194DB3C4C}"/>
+                <a16:creationId xmlns:a16="http://schemas.microsoft.com/office/drawing/2014/main" id="{839272F3-A162-31E4-EAAB-26A17ECEADC1}"/>
               </a:ext>
             </a:extLst>
           </p:cNvPr>
@@ -2992,7 +2992,7 @@
             </a:lvl1pPr>
           </a:lstStyle>
           <a:p>
-            <a:fld id="{863C2184-DD8F-4A14-B30B-43524D7AA810}" type="slidenum">
+            <a:fld id="{DC995709-9D4F-4425-8918-6C88ECB820ED}" type="slidenum">
               <a:rPr lang="zh-CN" altLang="en-US" smtClean="0"/>
               <a:t>‹#›</a:t>
             </a:fld>
@@ -3003,7 +3003,7 @@
     </p:spTree>
     <p:extLst>
       <p:ext uri="{BB962C8B-B14F-4D97-AF65-F5344CB8AC3E}">
-        <p14:creationId xmlns:p14="http://schemas.microsoft.com/office/powerpoint/2010/main" val="3498524228"/>
+        <p14:creationId xmlns:p14="http://schemas.microsoft.com/office/powerpoint/2010/main" val="2392193065"/>
       </p:ext>
     </p:extLst>
   </p:cSld>
@@ -3323,7 +3323,7 @@
       </p:grpSpPr>
       <p:pic>
         <p:nvPicPr>
-          <p:cNvPr id="1235970" name="Picture 2" descr="1206"/>
+          <p:cNvPr id="1236994" name="Picture 2" descr="1207"/>
           <p:cNvPicPr>
             <a:picLocks noChangeAspect="1" noChangeArrowheads="1"/>
           </p:cNvPicPr>
@@ -3344,8 +3344,8 @@
         </p:blipFill>
         <p:spPr bwMode="auto">
           <a:xfrm>
-            <a:off x="1524000" y="-14288"/>
-            <a:ext cx="9144000" cy="6180138"/>
+            <a:off x="1524000" y="0"/>
+            <a:ext cx="9144000" cy="6858000"/>
           </a:xfrm>
           <a:prstGeom prst="rect">
             <a:avLst/>
